--- a/Holiday Planner.pptx
+++ b/Holiday Planner.pptx
@@ -117,6 +117,90 @@
 </p:presentation>
 </file>
 
+<file path=ppt/revisionInfo.xml><?xml version="1.0" encoding="utf-8"?>
+<p1510:revInfo xmlns:a="http://schemas.openxmlformats.org/drawingml/2006/main" xmlns:r="http://schemas.openxmlformats.org/officeDocument/2006/relationships" xmlns:p1510="http://schemas.microsoft.com/office/powerpoint/2015/10/main">
+  <p1510:revLst>
+    <p1510:client id="{44495418-F88B-4191-ABED-69EABD08BE36}" v="1" dt="2022-12-16T15:49:18.594"/>
+  </p1510:revLst>
+</p1510:revInfo>
+</file>
+
+<file path=ppt/changesInfos/changesInfo1.xml><?xml version="1.0" encoding="utf-8"?>
+<pc:chgInfo xmlns:a="http://schemas.openxmlformats.org/drawingml/2006/main" xmlns:r="http://schemas.openxmlformats.org/officeDocument/2006/relationships" xmlns:ac="http://schemas.microsoft.com/office/drawing/2013/main/command" xmlns:pc="http://schemas.microsoft.com/office/powerpoint/2013/main/command">
+  <pc:docChgLst>
+    <pc:chgData name="Bernhard Wieland" userId="174c48ad-c6d6-4e6c-8078-9999f95c8a95" providerId="ADAL" clId="{44495418-F88B-4191-ABED-69EABD08BE36}"/>
+    <pc:docChg chg="modSld">
+      <pc:chgData name="Bernhard Wieland" userId="174c48ad-c6d6-4e6c-8078-9999f95c8a95" providerId="ADAL" clId="{44495418-F88B-4191-ABED-69EABD08BE36}" dt="2022-12-16T15:49:18.594" v="1" actId="5736"/>
+      <pc:docMkLst>
+        <pc:docMk/>
+      </pc:docMkLst>
+      <pc:sldChg chg="modSp">
+        <pc:chgData name="Bernhard Wieland" userId="174c48ad-c6d6-4e6c-8078-9999f95c8a95" providerId="ADAL" clId="{44495418-F88B-4191-ABED-69EABD08BE36}" dt="2022-12-16T15:49:18.594" v="1" actId="5736"/>
+        <pc:sldMkLst>
+          <pc:docMk/>
+          <pc:sldMk cId="627745445" sldId="260"/>
+        </pc:sldMkLst>
+        <pc:spChg chg="mod">
+          <ac:chgData name="Bernhard Wieland" userId="174c48ad-c6d6-4e6c-8078-9999f95c8a95" providerId="ADAL" clId="{44495418-F88B-4191-ABED-69EABD08BE36}" dt="2022-12-16T15:49:18.594" v="1" actId="5736"/>
+          <ac:spMkLst>
+            <pc:docMk/>
+            <pc:sldMk cId="627745445" sldId="260"/>
+            <ac:spMk id="4" creationId="{53CBADD2-5DCB-0F7C-760C-6A2D418C5662}"/>
+          </ac:spMkLst>
+        </pc:spChg>
+        <pc:spChg chg="mod">
+          <ac:chgData name="Bernhard Wieland" userId="174c48ad-c6d6-4e6c-8078-9999f95c8a95" providerId="ADAL" clId="{44495418-F88B-4191-ABED-69EABD08BE36}" dt="2022-12-16T15:49:18.594" v="1" actId="5736"/>
+          <ac:spMkLst>
+            <pc:docMk/>
+            <pc:sldMk cId="627745445" sldId="260"/>
+            <ac:spMk id="5" creationId="{4480B1EE-3DD4-1FB5-9BC2-21AC505FF8F2}"/>
+          </ac:spMkLst>
+        </pc:spChg>
+        <pc:spChg chg="mod">
+          <ac:chgData name="Bernhard Wieland" userId="174c48ad-c6d6-4e6c-8078-9999f95c8a95" providerId="ADAL" clId="{44495418-F88B-4191-ABED-69EABD08BE36}" dt="2022-12-16T15:49:18.594" v="1" actId="5736"/>
+          <ac:spMkLst>
+            <pc:docMk/>
+            <pc:sldMk cId="627745445" sldId="260"/>
+            <ac:spMk id="6" creationId="{09A19309-1C14-4B72-281F-34DD1CFF0B21}"/>
+          </ac:spMkLst>
+        </pc:spChg>
+        <pc:spChg chg="mod">
+          <ac:chgData name="Bernhard Wieland" userId="174c48ad-c6d6-4e6c-8078-9999f95c8a95" providerId="ADAL" clId="{44495418-F88B-4191-ABED-69EABD08BE36}" dt="2022-12-16T15:49:18.594" v="1" actId="5736"/>
+          <ac:spMkLst>
+            <pc:docMk/>
+            <pc:sldMk cId="627745445" sldId="260"/>
+            <ac:spMk id="9" creationId="{A95E43E9-FB18-5E70-2DE3-D5AAAFB56FCF}"/>
+          </ac:spMkLst>
+        </pc:spChg>
+        <pc:graphicFrameChg chg="mod">
+          <ac:chgData name="Bernhard Wieland" userId="174c48ad-c6d6-4e6c-8078-9999f95c8a95" providerId="ADAL" clId="{44495418-F88B-4191-ABED-69EABD08BE36}" dt="2022-12-16T15:49:18.594" v="1" actId="5736"/>
+          <ac:graphicFrameMkLst>
+            <pc:docMk/>
+            <pc:sldMk cId="627745445" sldId="260"/>
+            <ac:graphicFrameMk id="8" creationId="{13D98BDB-83E5-863C-FD33-0F7A4C248561}"/>
+          </ac:graphicFrameMkLst>
+        </pc:graphicFrameChg>
+      </pc:sldChg>
+      <pc:sldChg chg="modSp mod">
+        <pc:chgData name="Bernhard Wieland" userId="174c48ad-c6d6-4e6c-8078-9999f95c8a95" providerId="ADAL" clId="{44495418-F88B-4191-ABED-69EABD08BE36}" dt="2022-12-16T15:44:43.616" v="0" actId="1076"/>
+        <pc:sldMkLst>
+          <pc:docMk/>
+          <pc:sldMk cId="2477912493" sldId="261"/>
+        </pc:sldMkLst>
+        <pc:spChg chg="mod">
+          <ac:chgData name="Bernhard Wieland" userId="174c48ad-c6d6-4e6c-8078-9999f95c8a95" providerId="ADAL" clId="{44495418-F88B-4191-ABED-69EABD08BE36}" dt="2022-12-16T15:44:43.616" v="0" actId="1076"/>
+          <ac:spMkLst>
+            <pc:docMk/>
+            <pc:sldMk cId="2477912493" sldId="261"/>
+            <ac:spMk id="4" creationId="{53CBADD2-5DCB-0F7C-760C-6A2D418C5662}"/>
+          </ac:spMkLst>
+        </pc:spChg>
+      </pc:sldChg>
+    </pc:docChg>
+  </pc:docChgLst>
+</pc:chgInfo>
+</file>
+
 <file path=ppt/slideLayouts/slideLayout1.xml><?xml version="1.0" encoding="utf-8"?>
 <p:sldLayout xmlns:a="http://schemas.openxmlformats.org/drawingml/2006/main" xmlns:r="http://schemas.openxmlformats.org/officeDocument/2006/relationships" xmlns:p="http://schemas.openxmlformats.org/presentationml/2006/main" type="title" preserve="1">
   <p:cSld name="Titelfolie">
@@ -266,7 +350,7 @@
           <a:p>
             <a:fld id="{5C618580-79D7-40BD-AC0F-1C4B98F386E8}" type="datetimeFigureOut">
               <a:rPr lang="en-AT" smtClean="0"/>
-              <a:t>11/12/2022</a:t>
+              <a:t>12/16/2022</a:t>
             </a:fld>
             <a:endParaRPr lang="en-AT"/>
           </a:p>
@@ -466,7 +550,7 @@
           <a:p>
             <a:fld id="{5C618580-79D7-40BD-AC0F-1C4B98F386E8}" type="datetimeFigureOut">
               <a:rPr lang="en-AT" smtClean="0"/>
-              <a:t>11/12/2022</a:t>
+              <a:t>12/16/2022</a:t>
             </a:fld>
             <a:endParaRPr lang="en-AT"/>
           </a:p>
@@ -676,7 +760,7 @@
           <a:p>
             <a:fld id="{5C618580-79D7-40BD-AC0F-1C4B98F386E8}" type="datetimeFigureOut">
               <a:rPr lang="en-AT" smtClean="0"/>
-              <a:t>11/12/2022</a:t>
+              <a:t>12/16/2022</a:t>
             </a:fld>
             <a:endParaRPr lang="en-AT"/>
           </a:p>
@@ -876,7 +960,7 @@
           <a:p>
             <a:fld id="{5C618580-79D7-40BD-AC0F-1C4B98F386E8}" type="datetimeFigureOut">
               <a:rPr lang="en-AT" smtClean="0"/>
-              <a:t>11/12/2022</a:t>
+              <a:t>12/16/2022</a:t>
             </a:fld>
             <a:endParaRPr lang="en-AT"/>
           </a:p>
@@ -1152,7 +1236,7 @@
           <a:p>
             <a:fld id="{5C618580-79D7-40BD-AC0F-1C4B98F386E8}" type="datetimeFigureOut">
               <a:rPr lang="en-AT" smtClean="0"/>
-              <a:t>11/12/2022</a:t>
+              <a:t>12/16/2022</a:t>
             </a:fld>
             <a:endParaRPr lang="en-AT"/>
           </a:p>
@@ -1420,7 +1504,7 @@
           <a:p>
             <a:fld id="{5C618580-79D7-40BD-AC0F-1C4B98F386E8}" type="datetimeFigureOut">
               <a:rPr lang="en-AT" smtClean="0"/>
-              <a:t>11/12/2022</a:t>
+              <a:t>12/16/2022</a:t>
             </a:fld>
             <a:endParaRPr lang="en-AT"/>
           </a:p>
@@ -1835,7 +1919,7 @@
           <a:p>
             <a:fld id="{5C618580-79D7-40BD-AC0F-1C4B98F386E8}" type="datetimeFigureOut">
               <a:rPr lang="en-AT" smtClean="0"/>
-              <a:t>11/12/2022</a:t>
+              <a:t>12/16/2022</a:t>
             </a:fld>
             <a:endParaRPr lang="en-AT"/>
           </a:p>
@@ -1977,7 +2061,7 @@
           <a:p>
             <a:fld id="{5C618580-79D7-40BD-AC0F-1C4B98F386E8}" type="datetimeFigureOut">
               <a:rPr lang="en-AT" smtClean="0"/>
-              <a:t>11/12/2022</a:t>
+              <a:t>12/16/2022</a:t>
             </a:fld>
             <a:endParaRPr lang="en-AT"/>
           </a:p>
@@ -2090,7 +2174,7 @@
           <a:p>
             <a:fld id="{5C618580-79D7-40BD-AC0F-1C4B98F386E8}" type="datetimeFigureOut">
               <a:rPr lang="en-AT" smtClean="0"/>
-              <a:t>11/12/2022</a:t>
+              <a:t>12/16/2022</a:t>
             </a:fld>
             <a:endParaRPr lang="en-AT"/>
           </a:p>
@@ -2403,7 +2487,7 @@
           <a:p>
             <a:fld id="{5C618580-79D7-40BD-AC0F-1C4B98F386E8}" type="datetimeFigureOut">
               <a:rPr lang="en-AT" smtClean="0"/>
-              <a:t>11/12/2022</a:t>
+              <a:t>12/16/2022</a:t>
             </a:fld>
             <a:endParaRPr lang="en-AT"/>
           </a:p>
@@ -2692,7 +2776,7 @@
           <a:p>
             <a:fld id="{5C618580-79D7-40BD-AC0F-1C4B98F386E8}" type="datetimeFigureOut">
               <a:rPr lang="en-AT" smtClean="0"/>
-              <a:t>11/12/2022</a:t>
+              <a:t>12/16/2022</a:t>
             </a:fld>
             <a:endParaRPr lang="en-AT"/>
           </a:p>
@@ -2935,7 +3019,7 @@
           <a:p>
             <a:fld id="{5C618580-79D7-40BD-AC0F-1C4B98F386E8}" type="datetimeFigureOut">
               <a:rPr lang="en-AT" smtClean="0"/>
-              <a:t>11/12/2022</a:t>
+              <a:t>12/16/2022</a:t>
             </a:fld>
             <a:endParaRPr lang="en-AT"/>
           </a:p>
@@ -4760,7 +4844,7 @@
           <p:nvPr>
             <p:extLst>
               <p:ext uri="{D42A27DB-BD31-4B8C-83A1-F6EECF244321}">
-                <p14:modId xmlns:p14="http://schemas.microsoft.com/office/powerpoint/2010/main" val="480858353"/>
+                <p14:modId xmlns:p14="http://schemas.microsoft.com/office/powerpoint/2010/main" val="640823357"/>
               </p:ext>
             </p:extLst>
           </p:nvPr>
@@ -5580,7 +5664,7 @@
         </p:nvSpPr>
         <p:spPr>
           <a:xfrm>
-            <a:off x="838199" y="1763486"/>
+            <a:off x="838200" y="1763486"/>
             <a:ext cx="10087947" cy="4637314"/>
           </a:xfrm>
           <a:prstGeom prst="rect">
